--- a/TIMES_ETSAP_Nov2021_final.pptx
+++ b/TIMES_ETSAP_Nov2021_final.pptx
@@ -275,7 +275,7 @@
           <a:p>
             <a:fld id="{B42EA817-458C-4BE5-98BD-B3889020DFF3}" type="datetimeFigureOut">
               <a:rPr lang="en-GB" smtClean="0"/>
-              <a:t>29/11/2021</a:t>
+              <a:t>30/11/2021</a:t>
             </a:fld>
             <a:endParaRPr lang="en-GB" dirty="0"/>
           </a:p>
@@ -4901,11 +4901,7 @@
           <a:p>
             <a:r>
               <a:rPr lang="en-GB" dirty="0" smtClean="0"/>
-              <a:t>Reproducible </a:t>
-            </a:r>
-            <a:r>
-              <a:rPr lang="en-GB" dirty="0" smtClean="0"/>
-              <a:t>analysis: </a:t>
+              <a:t>Reproducible analysis: </a:t>
             </a:r>
             <a:r>
               <a:rPr lang="en-GB" dirty="0"/>
@@ -6969,7 +6965,7 @@
         </p:blipFill>
         <p:spPr>
           <a:xfrm>
-            <a:off x="992560" y="980728"/>
+            <a:off x="993272" y="1520481"/>
             <a:ext cx="7791450" cy="1600200"/>
           </a:xfrm>
           <a:prstGeom prst="rect">
@@ -6985,7 +6981,7 @@
         </p:nvSpPr>
         <p:spPr>
           <a:xfrm>
-            <a:off x="1125919" y="3174552"/>
+            <a:off x="1126631" y="3714305"/>
             <a:ext cx="3046056" cy="2139031"/>
           </a:xfrm>
           <a:prstGeom prst="rect">
@@ -7142,7 +7138,7 @@
         </p:nvSpPr>
         <p:spPr>
           <a:xfrm>
-            <a:off x="4965003" y="3177279"/>
+            <a:off x="4965715" y="3717032"/>
             <a:ext cx="4395913" cy="2139031"/>
           </a:xfrm>
           <a:prstGeom prst="rect">
@@ -7294,7 +7290,7 @@
         </p:nvSpPr>
         <p:spPr bwMode="auto">
           <a:xfrm rot="2389280">
-            <a:off x="3309290" y="2314932"/>
+            <a:off x="3310002" y="2854685"/>
             <a:ext cx="216024" cy="937427"/>
           </a:xfrm>
           <a:prstGeom prst="downArrow">
@@ -7359,7 +7355,7 @@
         </p:nvSpPr>
         <p:spPr bwMode="auto">
           <a:xfrm rot="18986935">
-            <a:off x="4780273" y="2329971"/>
+            <a:off x="4780985" y="2869724"/>
             <a:ext cx="216024" cy="937427"/>
           </a:xfrm>
           <a:prstGeom prst="downArrow">
@@ -7412,6 +7408,45 @@
               </a:solidFill>
               <a:effectLst/>
               <a:latin typeface="Arial" charset="0"/>
+            </a:endParaRPr>
+          </a:p>
+        </p:txBody>
+      </p:sp>
+      <p:sp>
+        <p:nvSpPr>
+          <p:cNvPr id="3" name="TextBox 2"/>
+          <p:cNvSpPr txBox="1"/>
+          <p:nvPr/>
+        </p:nvSpPr>
+        <p:spPr>
+          <a:xfrm>
+            <a:off x="2144688" y="1029953"/>
+            <a:ext cx="5022366" cy="384705"/>
+          </a:xfrm>
+          <a:prstGeom prst="rect">
+            <a:avLst/>
+          </a:prstGeom>
+          <a:noFill/>
+        </p:spPr>
+        <p:txBody>
+          <a:bodyPr wrap="none" lIns="91423" tIns="45712" rIns="91423" bIns="45712" rtlCol="0">
+            <a:spAutoFit/>
+          </a:bodyPr>
+          <a:lstStyle/>
+          <a:p>
+            <a:pPr algn="l"/>
+            <a:r>
+              <a:rPr lang="en-GB" sz="1900" b="1" dirty="0">
+                <a:solidFill>
+                  <a:srgbClr val="0000CC"/>
+                </a:solidFill>
+              </a:rPr>
+              <a:t>https://github.com/DataScienceScotland/vedar</a:t>
+            </a:r>
+            <a:endParaRPr lang="en-GB" sz="1900" b="1" dirty="0" smtClean="0">
+              <a:solidFill>
+                <a:srgbClr val="0000CC"/>
+              </a:solidFill>
             </a:endParaRPr>
           </a:p>
         </p:txBody>
